--- a/Графы.pptx
+++ b/Графы.pptx
@@ -8,7 +8,8 @@
     <p:sldId id="256" r:id="rId2"/>
     <p:sldId id="257" r:id="rId3"/>
     <p:sldId id="258" r:id="rId4"/>
-    <p:sldId id="259" r:id="rId5"/>
+    <p:sldId id="260" r:id="rId5"/>
+    <p:sldId id="259" r:id="rId6"/>
   </p:sldIdLst>
   <p:sldSz cx="12192000" cy="6858000"/>
   <p:notesSz cx="6858000" cy="9144000"/>
@@ -119,6 +120,7 @@
           <p14:sldIdLst>
             <p14:sldId id="257"/>
             <p14:sldId id="258"/>
+            <p14:sldId id="260"/>
             <p14:sldId id="259"/>
           </p14:sldIdLst>
         </p14:section>
@@ -6226,11 +6228,7 @@
           <a:p>
             <a:r>
               <a:rPr lang="ru-RU" sz="3600" dirty="0" smtClean="0"/>
-              <a:t>Цель: </a:t>
-            </a:r>
-            <a:r>
-              <a:rPr lang="ru-RU" sz="3600" dirty="0" smtClean="0"/>
-              <a:t>Определить можно </a:t>
+              <a:t>Цель: Определить можно </a:t>
             </a:r>
             <a:r>
               <a:rPr lang="ru-RU" sz="3600" dirty="0"/>
@@ -6252,11 +6250,7 @@
             </a:br>
             <a:r>
               <a:rPr lang="ru-RU" sz="3600" dirty="0" smtClean="0"/>
-              <a:t>Задача: Н</a:t>
-            </a:r>
-            <a:r>
-              <a:rPr lang="ru-RU" sz="3600" dirty="0" smtClean="0"/>
-              <a:t>аписать код программы </a:t>
+              <a:t>Задача: Написать код программы </a:t>
             </a:r>
             <a:r>
               <a:rPr lang="ru-RU" sz="3600" dirty="0"/>
@@ -6495,6 +6489,109 @@
 </file>
 
 <file path=ppt/slides/slide4.xml><?xml version="1.0" encoding="utf-8"?>
+<p:sld xmlns:a="http://schemas.openxmlformats.org/drawingml/2006/main" xmlns:r="http://schemas.openxmlformats.org/officeDocument/2006/relationships" xmlns:p="http://schemas.openxmlformats.org/presentationml/2006/main">
+  <p:cSld>
+    <p:spTree>
+      <p:nvGrpSpPr>
+        <p:cNvPr id="1" name=""/>
+        <p:cNvGrpSpPr/>
+        <p:nvPr/>
+      </p:nvGrpSpPr>
+      <p:grpSpPr>
+        <a:xfrm>
+          <a:off x="0" y="0"/>
+          <a:ext cx="0" cy="0"/>
+          <a:chOff x="0" y="0"/>
+          <a:chExt cx="0" cy="0"/>
+        </a:xfrm>
+      </p:grpSpPr>
+      <p:sp>
+        <p:nvSpPr>
+          <p:cNvPr id="2" name="Заголовок 1"/>
+          <p:cNvSpPr>
+            <a:spLocks noGrp="1"/>
+          </p:cNvSpPr>
+          <p:nvPr>
+            <p:ph type="title"/>
+          </p:nvPr>
+        </p:nvSpPr>
+        <p:spPr>
+          <a:xfrm>
+            <a:off x="887334" y="1926145"/>
+            <a:ext cx="9404723" cy="1400530"/>
+          </a:xfrm>
+        </p:spPr>
+        <p:txBody>
+          <a:bodyPr/>
+          <a:lstStyle/>
+          <a:p>
+            <a:r>
+              <a:rPr lang="ru-RU" dirty="0" smtClean="0"/>
+              <a:t>Выводы:</a:t>
+            </a:r>
+            <a:endParaRPr lang="ru-RU" dirty="0"/>
+          </a:p>
+        </p:txBody>
+      </p:sp>
+      <p:sp>
+        <p:nvSpPr>
+          <p:cNvPr id="4" name="TextBox 3"/>
+          <p:cNvSpPr txBox="1"/>
+          <p:nvPr/>
+        </p:nvSpPr>
+        <p:spPr>
+          <a:xfrm>
+            <a:off x="887334" y="2626410"/>
+            <a:ext cx="8063618" cy="2897332"/>
+          </a:xfrm>
+          <a:prstGeom prst="rect">
+            <a:avLst/>
+          </a:prstGeom>
+          <a:noFill/>
+        </p:spPr>
+        <p:txBody>
+          <a:bodyPr wrap="square" rtlCol="0">
+            <a:spAutoFit/>
+          </a:bodyPr>
+          <a:lstStyle/>
+          <a:p>
+            <a:pPr>
+              <a:lnSpc>
+                <a:spcPct val="110000"/>
+              </a:lnSpc>
+            </a:pPr>
+            <a:r>
+              <a:rPr lang="ru-RU" sz="2800" dirty="0" smtClean="0"/>
+              <a:t>С </a:t>
+            </a:r>
+            <a:r>
+              <a:rPr lang="ru-RU" sz="2800" dirty="0"/>
+              <a:t>помощью программы, которая в листинге программы будет представлена в полном объеме с комментариями, можно будет определить, по введенным с клавиатуры степеням вершин, существует ли граф. </a:t>
+            </a:r>
+            <a:endParaRPr lang="ru-RU" sz="2800" dirty="0">
+              <a:solidFill>
+                <a:srgbClr val="D65816">
+                  <a:alpha val="58000"/>
+                </a:srgbClr>
+              </a:solidFill>
+            </a:endParaRPr>
+          </a:p>
+        </p:txBody>
+      </p:sp>
+    </p:spTree>
+    <p:extLst>
+      <p:ext uri="{BB962C8B-B14F-4D97-AF65-F5344CB8AC3E}">
+        <p14:creationId xmlns:p14="http://schemas.microsoft.com/office/powerpoint/2010/main" val="2782051290"/>
+      </p:ext>
+    </p:extLst>
+  </p:cSld>
+  <p:clrMapOvr>
+    <a:masterClrMapping/>
+  </p:clrMapOvr>
+</p:sld>
+</file>
+
+<file path=ppt/slides/slide5.xml><?xml version="1.0" encoding="utf-8"?>
 <p:sld xmlns:a="http://schemas.openxmlformats.org/drawingml/2006/main" xmlns:r="http://schemas.openxmlformats.org/officeDocument/2006/relationships" xmlns:p="http://schemas.openxmlformats.org/presentationml/2006/main">
   <p:cSld>
     <p:spTree>
